--- a/Sessions/Lectures Intro Day1/Assessment methods.pptx
+++ b/Sessions/Lectures Intro Day1/Assessment methods.pptx
@@ -8431,16 +8431,7 @@
                 </a:solidFill>
                 <a:cs typeface="Arial" charset="0"/>
               </a:rPr>
-              <a:t>However</a:t>
-            </a:r>
-            <a:r>
-              <a:rPr lang="en-US" sz="1600" b="1" i="1" dirty="0" smtClean="0">
-                <a:solidFill>
-                  <a:schemeClr val="accent6"/>
-                </a:solidFill>
-                <a:cs typeface="Arial" charset="0"/>
-              </a:rPr>
-              <a:t>, </a:t>
+              <a:t>However, </a:t>
             </a:r>
             <a:r>
               <a:rPr lang="en-US" sz="1600" dirty="0" smtClean="0">
@@ -8582,16 +8573,7 @@
                 </a:solidFill>
                 <a:cs typeface="Arial" charset="0"/>
               </a:rPr>
-              <a:t>Furthermore</a:t>
-            </a:r>
-            <a:r>
-              <a:rPr lang="en-US" sz="1600" dirty="0" smtClean="0">
-                <a:solidFill>
-                  <a:schemeClr val="accent6"/>
-                </a:solidFill>
-                <a:cs typeface="Arial" charset="0"/>
-              </a:rPr>
-              <a:t>, in the case a spawning-recruitment </a:t>
+              <a:t>Furthermore, in the case a spawning-recruitment </a:t>
             </a:r>
             <a:r>
               <a:rPr lang="en-US" sz="1600" dirty="0">
@@ -8801,16 +8783,7 @@
                 </a:solidFill>
                 <a:cs typeface="Arial" charset="0"/>
               </a:rPr>
-              <a:t>Other </a:t>
-            </a:r>
-            <a:r>
-              <a:rPr lang="en-US" sz="1400" dirty="0" smtClean="0">
-                <a:solidFill>
-                  <a:schemeClr val="accent6"/>
-                </a:solidFill>
-                <a:cs typeface="Arial" charset="0"/>
-              </a:rPr>
-              <a:t>VPA-based models </a:t>
+              <a:t>Other VPA-based models </a:t>
             </a:r>
             <a:r>
               <a:rPr lang="en-US" sz="1400" dirty="0">
@@ -8983,7 +8956,7 @@
               <a:t>Typical main outputs plot of an XSA assessment (blue and red shrimp, </a:t>
             </a:r>
             <a:r>
-              <a:rPr lang="en-US" sz="1600" dirty="0" err="1" smtClean="0">
+              <a:rPr lang="en-US" sz="1600" i="1" dirty="0" err="1" smtClean="0">
                 <a:solidFill>
                   <a:schemeClr val="accent6"/>
                 </a:solidFill>
@@ -8992,7 +8965,7 @@
               <a:t>Aristeus</a:t>
             </a:r>
             <a:r>
-              <a:rPr lang="en-US" sz="1600" dirty="0" smtClean="0">
+              <a:rPr lang="en-US" sz="1600" i="1" dirty="0" smtClean="0">
                 <a:solidFill>
                   <a:schemeClr val="accent6"/>
                 </a:solidFill>
@@ -9001,7 +8974,7 @@
               <a:t> </a:t>
             </a:r>
             <a:r>
-              <a:rPr lang="en-US" sz="1600" dirty="0" err="1" smtClean="0">
+              <a:rPr lang="en-US" sz="1600" i="1" dirty="0" err="1" smtClean="0">
                 <a:solidFill>
                   <a:schemeClr val="accent6"/>
                 </a:solidFill>
@@ -9662,7 +9635,7 @@
               <a:t>(Atlantic cod, </a:t>
             </a:r>
             <a:r>
-              <a:rPr lang="en-US" sz="1600" dirty="0" err="1" smtClean="0">
+              <a:rPr lang="en-US" sz="1600" i="1" dirty="0" err="1" smtClean="0">
                 <a:solidFill>
                   <a:schemeClr val="accent6"/>
                 </a:solidFill>
@@ -9671,7 +9644,7 @@
               <a:t>Gadus</a:t>
             </a:r>
             <a:r>
-              <a:rPr lang="en-US" sz="1600" dirty="0" smtClean="0">
+              <a:rPr lang="en-US" sz="1600" i="1" dirty="0" smtClean="0">
                 <a:solidFill>
                   <a:schemeClr val="accent6"/>
                 </a:solidFill>
@@ -9680,7 +9653,7 @@
               <a:t> </a:t>
             </a:r>
             <a:r>
-              <a:rPr lang="en-US" sz="1600" dirty="0" err="1" smtClean="0">
+              <a:rPr lang="en-US" sz="1600" i="1" dirty="0" err="1" smtClean="0">
                 <a:solidFill>
                   <a:schemeClr val="accent6"/>
                 </a:solidFill>
@@ -10445,12 +10418,6 @@
               </a:rPr>
               <a:t>Some outputs from an SS3 assessment (European hake in GSA9).</a:t>
             </a:r>
-            <a:endParaRPr lang="en-US" sz="1600" dirty="0" smtClean="0">
-              <a:solidFill>
-                <a:schemeClr val="accent6"/>
-              </a:solidFill>
-              <a:cs typeface="Arial" charset="0"/>
-            </a:endParaRPr>
           </a:p>
         </p:txBody>
       </p:sp>
@@ -11550,7 +11517,16 @@
                 </a:solidFill>
                 <a:cs typeface="Arial" charset="0"/>
               </a:rPr>
-              <a:t>Since 2012, a total of </a:t>
+              <a:t>Since 2012, </a:t>
+            </a:r>
+            <a:r>
+              <a:rPr lang="en-US" sz="1800" dirty="0" smtClean="0">
+                <a:solidFill>
+                  <a:schemeClr val="accent6"/>
+                </a:solidFill>
+                <a:cs typeface="Arial" charset="0"/>
+              </a:rPr>
+              <a:t>around </a:t>
             </a:r>
             <a:r>
               <a:rPr lang="en-US" sz="1800" b="1" dirty="0" smtClean="0">
@@ -11559,7 +11535,16 @@
                 </a:solidFill>
                 <a:cs typeface="Arial" charset="0"/>
               </a:rPr>
-              <a:t>357 stock assessments </a:t>
+              <a:t>400 </a:t>
+            </a:r>
+            <a:r>
+              <a:rPr lang="en-US" sz="1800" b="1" dirty="0" smtClean="0">
+                <a:solidFill>
+                  <a:schemeClr val="accent6"/>
+                </a:solidFill>
+                <a:cs typeface="Arial" charset="0"/>
+              </a:rPr>
+              <a:t>stock assessments </a:t>
             </a:r>
             <a:r>
               <a:rPr lang="en-US" sz="1800" dirty="0">
@@ -11598,13 +11583,22 @@
               <a:t>groups accounting for </a:t>
             </a:r>
             <a:r>
+              <a:rPr lang="en-US" sz="1800" dirty="0" smtClean="0">
+                <a:solidFill>
+                  <a:schemeClr val="accent6"/>
+                </a:solidFill>
+                <a:cs typeface="Arial" charset="0"/>
+              </a:rPr>
+              <a:t>more than </a:t>
+            </a:r>
+            <a:r>
               <a:rPr lang="en-US" sz="1800" b="1" dirty="0" smtClean="0">
                 <a:solidFill>
                   <a:schemeClr val="accent6"/>
                 </a:solidFill>
                 <a:cs typeface="Arial" charset="0"/>
               </a:rPr>
-              <a:t>37 </a:t>
+              <a:t>40 </a:t>
             </a:r>
             <a:r>
               <a:rPr lang="en-US" sz="1800" b="1" dirty="0">
@@ -11631,7 +11625,7 @@
                 </a:solidFill>
                 <a:cs typeface="Arial" charset="0"/>
               </a:rPr>
-              <a:t>144 </a:t>
+              <a:t>150 </a:t>
             </a:r>
             <a:r>
               <a:rPr lang="en-US" sz="1800" b="1" dirty="0">
@@ -28591,18 +28585,7 @@
                 <a:ea typeface="Osaka" pitchFamily="1" charset="-128"/>
                 <a:cs typeface="Arial" charset="0"/>
               </a:rPr>
-              <a:t>taken, then </a:t>
-            </a:r>
-            <a:r>
-              <a:rPr lang="en-US" sz="1800" dirty="0" smtClean="0">
-                <a:solidFill>
-                  <a:srgbClr val="FF0000"/>
-                </a:solidFill>
-                <a:latin typeface="Trebuchet MS" pitchFamily="34" charset="0"/>
-                <a:ea typeface="Osaka" pitchFamily="1" charset="-128"/>
-                <a:cs typeface="Arial" charset="0"/>
-              </a:rPr>
-              <a:t>investment </a:t>
+              <a:t>taken, then investment </a:t>
             </a:r>
             <a:r>
               <a:rPr lang="en-US" sz="1800" dirty="0">
@@ -29045,7 +29028,7 @@
                 <a:ea typeface="Osaka" pitchFamily="1" charset="-128"/>
                 <a:cs typeface="Arial" charset="0"/>
               </a:rPr>
-              <a:t>nine </a:t>
+              <a:t>NINE </a:t>
             </a:r>
             <a:r>
               <a:rPr lang="en-US" sz="1600" b="1" dirty="0">
@@ -29583,27 +29566,8 @@
                 <a:ea typeface="Osaka" pitchFamily="1" charset="-128"/>
                 <a:cs typeface="Arial" charset="0"/>
               </a:rPr>
-              <a:t>the assessment model to be used is always a </a:t>
-            </a:r>
-            <a:r>
-              <a:rPr lang="en-US" sz="1800" b="1" i="1" dirty="0" smtClean="0">
-                <a:solidFill>
-                  <a:srgbClr val="FF0000"/>
-                </a:solidFill>
-                <a:latin typeface="Trebuchet MS" pitchFamily="34" charset="0"/>
-                <a:ea typeface="Osaka" pitchFamily="1" charset="-128"/>
-                <a:cs typeface="Arial" charset="0"/>
-              </a:rPr>
-              <a:t>trade-off</a:t>
-            </a:r>
-            <a:endParaRPr lang="en-US" sz="1800" b="1" i="1" dirty="0" smtClean="0">
-              <a:solidFill>
-                <a:srgbClr val="FF0000"/>
-              </a:solidFill>
-              <a:latin typeface="Trebuchet MS" pitchFamily="34" charset="0"/>
-              <a:ea typeface="Osaka" pitchFamily="1" charset="-128"/>
-              <a:cs typeface="Arial" charset="0"/>
-            </a:endParaRPr>
+              <a:t>the assessment model to be used is always a trade-off</a:t>
+            </a:r>
           </a:p>
           <a:p>
             <a:pPr algn="just">

--- a/Sessions/Lectures Intro Day1/Assessment methods.pptx
+++ b/Sessions/Lectures Intro Day1/Assessment methods.pptx
@@ -11517,7 +11517,25 @@
                 </a:solidFill>
                 <a:cs typeface="Arial" charset="0"/>
               </a:rPr>
-              <a:t>Since 2012, </a:t>
+              <a:t>Since 2012, around </a:t>
+            </a:r>
+            <a:r>
+              <a:rPr lang="en-US" sz="1800" b="1" dirty="0" smtClean="0">
+                <a:solidFill>
+                  <a:schemeClr val="accent6"/>
+                </a:solidFill>
+                <a:cs typeface="Arial" charset="0"/>
+              </a:rPr>
+              <a:t>400 stock assessments </a:t>
+            </a:r>
+            <a:r>
+              <a:rPr lang="en-US" sz="1800" dirty="0">
+                <a:solidFill>
+                  <a:schemeClr val="accent6"/>
+                </a:solidFill>
+                <a:cs typeface="Arial" charset="0"/>
+              </a:rPr>
+              <a:t>were </a:t>
             </a:r>
             <a:r>
               <a:rPr lang="en-US" sz="1800" dirty="0" smtClean="0">
@@ -11526,25 +11544,7 @@
                 </a:solidFill>
                 <a:cs typeface="Arial" charset="0"/>
               </a:rPr>
-              <a:t>around </a:t>
-            </a:r>
-            <a:r>
-              <a:rPr lang="en-US" sz="1800" b="1" dirty="0" smtClean="0">
-                <a:solidFill>
-                  <a:schemeClr val="accent6"/>
-                </a:solidFill>
-                <a:cs typeface="Arial" charset="0"/>
-              </a:rPr>
-              <a:t>400 </a:t>
-            </a:r>
-            <a:r>
-              <a:rPr lang="en-US" sz="1800" b="1" dirty="0" smtClean="0">
-                <a:solidFill>
-                  <a:schemeClr val="accent6"/>
-                </a:solidFill>
-                <a:cs typeface="Arial" charset="0"/>
-              </a:rPr>
-              <a:t>stock assessments </a:t>
+              <a:t>performed under </a:t>
             </a:r>
             <a:r>
               <a:rPr lang="en-US" sz="1800" dirty="0">
@@ -11553,7 +11553,7 @@
                 </a:solidFill>
                 <a:cs typeface="Arial" charset="0"/>
               </a:rPr>
-              <a:t>were </a:t>
+              <a:t>GFCM and STECF working </a:t>
             </a:r>
             <a:r>
               <a:rPr lang="en-US" sz="1800" dirty="0" smtClean="0">
@@ -11562,34 +11562,7 @@
                 </a:solidFill>
                 <a:cs typeface="Arial" charset="0"/>
               </a:rPr>
-              <a:t>performed under </a:t>
-            </a:r>
-            <a:r>
-              <a:rPr lang="en-US" sz="1800" dirty="0">
-                <a:solidFill>
-                  <a:schemeClr val="accent6"/>
-                </a:solidFill>
-                <a:cs typeface="Arial" charset="0"/>
-              </a:rPr>
-              <a:t>GFCM and STECF working </a:t>
-            </a:r>
-            <a:r>
-              <a:rPr lang="en-US" sz="1800" dirty="0" smtClean="0">
-                <a:solidFill>
-                  <a:schemeClr val="accent6"/>
-                </a:solidFill>
-                <a:cs typeface="Arial" charset="0"/>
-              </a:rPr>
-              <a:t>groups accounting for </a:t>
-            </a:r>
-            <a:r>
-              <a:rPr lang="en-US" sz="1800" dirty="0" smtClean="0">
-                <a:solidFill>
-                  <a:schemeClr val="accent6"/>
-                </a:solidFill>
-                <a:cs typeface="Arial" charset="0"/>
-              </a:rPr>
-              <a:t>more than </a:t>
+              <a:t>groups accounting for more than </a:t>
             </a:r>
             <a:r>
               <a:rPr lang="en-US" sz="1800" b="1" dirty="0" smtClean="0">
@@ -28907,7 +28880,7 @@
                 <a:ea typeface="Osaka" pitchFamily="1" charset="-128"/>
                 <a:cs typeface="Arial" charset="0"/>
               </a:rPr>
-              <a:t>elaborate statistical </a:t>
+              <a:t>complex statistical </a:t>
             </a:r>
             <a:r>
               <a:rPr lang="en-US" sz="1600" dirty="0">
@@ -29006,7 +28979,29 @@
                 <a:ea typeface="Osaka" pitchFamily="1" charset="-128"/>
                 <a:cs typeface="Arial" charset="0"/>
               </a:rPr>
-              <a:t>, 2015). These methods can be </a:t>
+              <a:t>, 2015). </a:t>
+            </a:r>
+            <a:r>
+              <a:rPr lang="en-US" sz="1600" dirty="0" smtClean="0">
+                <a:solidFill>
+                  <a:schemeClr val="accent6"/>
+                </a:solidFill>
+                <a:latin typeface="Trebuchet MS" pitchFamily="34" charset="0"/>
+                <a:ea typeface="Osaka" pitchFamily="1" charset="-128"/>
+                <a:cs typeface="Arial" charset="0"/>
+              </a:rPr>
+              <a:t>All those </a:t>
+            </a:r>
+            <a:r>
+              <a:rPr lang="en-US" sz="1600" dirty="0" smtClean="0">
+                <a:solidFill>
+                  <a:schemeClr val="accent6"/>
+                </a:solidFill>
+                <a:latin typeface="Trebuchet MS" pitchFamily="34" charset="0"/>
+                <a:ea typeface="Osaka" pitchFamily="1" charset="-128"/>
+                <a:cs typeface="Arial" charset="0"/>
+              </a:rPr>
+              <a:t>methods can be </a:t>
             </a:r>
             <a:r>
               <a:rPr lang="en-US" sz="1600" dirty="0">
@@ -29519,7 +29514,7 @@
         <p:spPr bwMode="auto">
           <a:xfrm>
             <a:off x="150455" y="553318"/>
-            <a:ext cx="8844294" cy="5539978"/>
+            <a:ext cx="8844294" cy="5493812"/>
           </a:xfrm>
           <a:prstGeom prst="rect">
             <a:avLst/>
@@ -29547,15 +29542,47 @@
               </a:spcBef>
             </a:pPr>
             <a:r>
-              <a:rPr lang="en-US" sz="1800" b="1" i="1" dirty="0">
-                <a:solidFill>
-                  <a:srgbClr val="FF0000"/>
+              <a:rPr lang="en-US" sz="1800" dirty="0">
+                <a:solidFill>
+                  <a:schemeClr val="accent6"/>
                 </a:solidFill>
                 <a:latin typeface="Trebuchet MS" pitchFamily="34" charset="0"/>
                 <a:ea typeface="Osaka" pitchFamily="1" charset="-128"/>
                 <a:cs typeface="Arial" charset="0"/>
               </a:rPr>
-              <a:t>The choice of </a:t>
+              <a:t>That classification can be useful for organizing information about available approaches and providing guidance on model selection.</a:t>
+            </a:r>
+          </a:p>
+          <a:p>
+            <a:pPr algn="l">
+              <a:lnSpc>
+                <a:spcPct val="150000"/>
+              </a:lnSpc>
+              <a:spcBef>
+                <a:spcPct val="50000"/>
+              </a:spcBef>
+            </a:pPr>
+            <a:r>
+              <a:rPr lang="en-US" sz="1800" b="1" i="1" dirty="0" smtClean="0">
+                <a:solidFill>
+                  <a:srgbClr val="FF0000"/>
+                </a:solidFill>
+                <a:latin typeface="Trebuchet MS" pitchFamily="34" charset="0"/>
+                <a:ea typeface="Osaka" pitchFamily="1" charset="-128"/>
+                <a:cs typeface="Arial" charset="0"/>
+              </a:rPr>
+              <a:t>The </a:t>
+            </a:r>
+            <a:r>
+              <a:rPr lang="en-US" sz="1800" b="1" i="1" dirty="0">
+                <a:solidFill>
+                  <a:srgbClr val="FF0000"/>
+                </a:solidFill>
+                <a:latin typeface="Trebuchet MS" pitchFamily="34" charset="0"/>
+                <a:ea typeface="Osaka" pitchFamily="1" charset="-128"/>
+                <a:cs typeface="Arial" charset="0"/>
+              </a:rPr>
+              <a:t>choice of </a:t>
             </a:r>
             <a:r>
               <a:rPr lang="en-US" sz="1800" b="1" i="1" dirty="0" smtClean="0">
@@ -29587,10 +29614,10 @@
                 <a:ea typeface="Osaka" pitchFamily="1" charset="-128"/>
                 <a:cs typeface="Arial" charset="0"/>
               </a:rPr>
-              <a:t>That </a:t>
-            </a:r>
-            <a:r>
-              <a:rPr lang="en-US" sz="1800" dirty="0">
+              <a:t>The </a:t>
+            </a:r>
+            <a:r>
+              <a:rPr lang="en-US" sz="1800" dirty="0" smtClean="0">
                 <a:solidFill>
                   <a:schemeClr val="accent6"/>
                 </a:solidFill>
@@ -29598,10 +29625,10 @@
                 <a:ea typeface="Osaka" pitchFamily="1" charset="-128"/>
                 <a:cs typeface="Arial" charset="0"/>
               </a:rPr>
-              <a:t>classification </a:t>
-            </a:r>
-            <a:r>
-              <a:rPr lang="en-US" sz="1800" dirty="0" smtClean="0">
+              <a:t>choice is </a:t>
+            </a:r>
+            <a:r>
+              <a:rPr lang="en-US" sz="1800" dirty="0">
                 <a:solidFill>
                   <a:schemeClr val="accent6"/>
                 </a:solidFill>
@@ -29609,10 +29636,10 @@
                 <a:ea typeface="Osaka" pitchFamily="1" charset="-128"/>
                 <a:cs typeface="Arial" charset="0"/>
               </a:rPr>
-              <a:t>can be </a:t>
-            </a:r>
-            <a:r>
-              <a:rPr lang="en-US" sz="1800" dirty="0">
+              <a:t>driven by several factors including the availability of appropriate data, the resources and expertise available and the type of advice required. In general, more sophisticated assessment models can provide more detailed advice and allow forecasts for fisheries management to be performed. However, these assessments also require additional data inputs and can be complex, time-consuming, </a:t>
+            </a:r>
+            <a:r>
+              <a:rPr lang="en-US" sz="1800" dirty="0" smtClean="0">
                 <a:solidFill>
                   <a:schemeClr val="accent6"/>
                 </a:solidFill>
@@ -29620,7 +29647,7 @@
                 <a:ea typeface="Osaka" pitchFamily="1" charset="-128"/>
                 <a:cs typeface="Arial" charset="0"/>
               </a:rPr>
-              <a:t>useful for organizing information about </a:t>
+              <a:t>costly (Hilborn</a:t>
             </a:r>
             <a:r>
               <a:rPr lang="en-US" sz="1800" dirty="0" smtClean="0">
@@ -29631,7 +29658,7 @@
                 <a:ea typeface="Osaka" pitchFamily="1" charset="-128"/>
                 <a:cs typeface="Arial" charset="0"/>
               </a:rPr>
-              <a:t>available approaches </a:t>
+              <a:t>, 2003</a:t>
             </a:r>
             <a:r>
               <a:rPr lang="en-US" sz="1800" dirty="0">
@@ -29642,42 +29669,9 @@
                 <a:ea typeface="Osaka" pitchFamily="1" charset="-128"/>
                 <a:cs typeface="Arial" charset="0"/>
               </a:rPr>
-              <a:t>and </a:t>
-            </a:r>
-            <a:r>
-              <a:rPr lang="en-US" sz="1800" dirty="0" smtClean="0">
-                <a:solidFill>
-                  <a:schemeClr val="accent6"/>
-                </a:solidFill>
-                <a:latin typeface="Trebuchet MS" pitchFamily="34" charset="0"/>
-                <a:ea typeface="Osaka" pitchFamily="1" charset="-128"/>
-                <a:cs typeface="Arial" charset="0"/>
-              </a:rPr>
-              <a:t>providing </a:t>
-            </a:r>
-            <a:r>
-              <a:rPr lang="en-US" sz="1800" dirty="0">
-                <a:solidFill>
-                  <a:schemeClr val="accent6"/>
-                </a:solidFill>
-                <a:latin typeface="Trebuchet MS" pitchFamily="34" charset="0"/>
-                <a:ea typeface="Osaka" pitchFamily="1" charset="-128"/>
-                <a:cs typeface="Arial" charset="0"/>
-              </a:rPr>
-              <a:t>guidance on model </a:t>
-            </a:r>
-            <a:r>
-              <a:rPr lang="en-US" sz="1800" dirty="0" smtClean="0">
-                <a:solidFill>
-                  <a:schemeClr val="accent6"/>
-                </a:solidFill>
-                <a:latin typeface="Trebuchet MS" pitchFamily="34" charset="0"/>
-                <a:ea typeface="Osaka" pitchFamily="1" charset="-128"/>
-                <a:cs typeface="Arial" charset="0"/>
-              </a:rPr>
-              <a:t>selection.</a:t>
-            </a:r>
-            <a:endParaRPr lang="en-US" sz="1800" dirty="0">
+              <a:t>) and require high level expertise .</a:t>
+            </a:r>
+            <a:endParaRPr lang="en-US" sz="1800" dirty="0" smtClean="0">
               <a:solidFill>
                 <a:schemeClr val="accent6"/>
               </a:solidFill>
@@ -29685,71 +29679,6 @@
               <a:ea typeface="Osaka" pitchFamily="1" charset="-128"/>
               <a:cs typeface="Arial" charset="0"/>
             </a:endParaRPr>
-          </a:p>
-          <a:p>
-            <a:pPr algn="just">
-              <a:lnSpc>
-                <a:spcPct val="150000"/>
-              </a:lnSpc>
-              <a:spcBef>
-                <a:spcPct val="50000"/>
-              </a:spcBef>
-            </a:pPr>
-            <a:r>
-              <a:rPr lang="en-US" sz="1800" dirty="0" smtClean="0">
-                <a:solidFill>
-                  <a:schemeClr val="accent6"/>
-                </a:solidFill>
-                <a:latin typeface="Trebuchet MS" pitchFamily="34" charset="0"/>
-                <a:ea typeface="Osaka" pitchFamily="1" charset="-128"/>
-                <a:cs typeface="Arial" charset="0"/>
-              </a:rPr>
-              <a:t>The choice is </a:t>
-            </a:r>
-            <a:r>
-              <a:rPr lang="en-US" sz="1800" dirty="0">
-                <a:solidFill>
-                  <a:schemeClr val="accent6"/>
-                </a:solidFill>
-                <a:latin typeface="Trebuchet MS" pitchFamily="34" charset="0"/>
-                <a:ea typeface="Osaka" pitchFamily="1" charset="-128"/>
-                <a:cs typeface="Arial" charset="0"/>
-              </a:rPr>
-              <a:t>driven by several factors including the availability of appropriate data, the resources and expertise available and the type of advice required. In general, more sophisticated assessment models can provide more detailed advice and allow forecasts for fisheries management to be performed. However, these assessments also require additional data inputs and can be complex, time-consuming, and </a:t>
-            </a:r>
-            <a:r>
-              <a:rPr lang="en-US" sz="1800" dirty="0" smtClean="0">
-                <a:solidFill>
-                  <a:schemeClr val="accent6"/>
-                </a:solidFill>
-                <a:latin typeface="Trebuchet MS" pitchFamily="34" charset="0"/>
-                <a:ea typeface="Osaka" pitchFamily="1" charset="-128"/>
-                <a:cs typeface="Arial" charset="0"/>
-              </a:rPr>
-              <a:t>costly (</a:t>
-            </a:r>
-            <a:r>
-              <a:rPr lang="en-US" sz="1800" dirty="0" err="1" smtClean="0">
-                <a:solidFill>
-                  <a:schemeClr val="accent6"/>
-                </a:solidFill>
-                <a:latin typeface="Trebuchet MS" pitchFamily="34" charset="0"/>
-                <a:ea typeface="Osaka" pitchFamily="1" charset="-128"/>
-                <a:cs typeface="Arial" charset="0"/>
-              </a:rPr>
-              <a:t>Hilborn</a:t>
-            </a:r>
-            <a:r>
-              <a:rPr lang="en-US" sz="1800" dirty="0" smtClean="0">
-                <a:solidFill>
-                  <a:schemeClr val="accent6"/>
-                </a:solidFill>
-                <a:latin typeface="Trebuchet MS" pitchFamily="34" charset="0"/>
-                <a:ea typeface="Osaka" pitchFamily="1" charset="-128"/>
-                <a:cs typeface="Arial" charset="0"/>
-              </a:rPr>
-              <a:t>, 2003).</a:t>
-            </a:r>
           </a:p>
           <a:p>
             <a:pPr algn="just">
@@ -29876,7 +29805,7 @@
         </p:nvSpPr>
         <p:spPr bwMode="auto">
           <a:xfrm>
-            <a:off x="179512" y="442694"/>
+            <a:off x="179512" y="586710"/>
             <a:ext cx="8784976" cy="4570482"/>
           </a:xfrm>
           <a:prstGeom prst="rect">
@@ -30037,7 +29966,7 @@
               </a:lnSpc>
             </a:pPr>
             <a:r>
-              <a:rPr lang="en-US" sz="1600" dirty="0">
+              <a:rPr lang="en-US" sz="1400" dirty="0">
                 <a:solidFill>
                   <a:schemeClr val="accent6"/>
                 </a:solidFill>
@@ -30046,7 +29975,7 @@
               <a:t>In many </a:t>
             </a:r>
             <a:r>
-              <a:rPr lang="en-US" sz="1600" dirty="0" smtClean="0">
+              <a:rPr lang="en-US" sz="1400" dirty="0" smtClean="0">
                 <a:solidFill>
                   <a:schemeClr val="accent6"/>
                 </a:solidFill>
@@ -30055,7 +29984,7 @@
               <a:t>cases, </a:t>
             </a:r>
             <a:r>
-              <a:rPr lang="en-US" sz="1600" dirty="0">
+              <a:rPr lang="en-US" sz="1400" dirty="0">
                 <a:solidFill>
                   <a:schemeClr val="accent6"/>
                 </a:solidFill>
@@ -30064,7 +29993,7 @@
               <a:t>long </a:t>
             </a:r>
             <a:r>
-              <a:rPr lang="en-US" sz="1600" dirty="0" smtClean="0">
+              <a:rPr lang="en-US" sz="1400" dirty="0" smtClean="0">
                 <a:solidFill>
                   <a:schemeClr val="accent6"/>
                 </a:solidFill>
@@ -30073,7 +30002,7 @@
               <a:t>time-series </a:t>
             </a:r>
             <a:r>
-              <a:rPr lang="en-US" sz="1600" dirty="0">
+              <a:rPr lang="en-US" sz="1400" dirty="0">
                 <a:solidFill>
                   <a:schemeClr val="accent6"/>
                 </a:solidFill>
@@ -30082,7 +30011,7 @@
               <a:t>of data </a:t>
             </a:r>
             <a:r>
-              <a:rPr lang="en-US" sz="1600" dirty="0" smtClean="0">
+              <a:rPr lang="en-US" sz="1400" dirty="0" smtClean="0">
                 <a:solidFill>
                   <a:schemeClr val="accent6"/>
                 </a:solidFill>
@@ -30091,7 +30020,7 @@
               <a:t>are </a:t>
             </a:r>
             <a:r>
-              <a:rPr lang="en-US" sz="1600" dirty="0">
+              <a:rPr lang="en-US" sz="1400" dirty="0">
                 <a:solidFill>
                   <a:schemeClr val="accent6"/>
                 </a:solidFill>
@@ -30100,7 +30029,7 @@
               <a:t>not </a:t>
             </a:r>
             <a:r>
-              <a:rPr lang="en-US" sz="1600" dirty="0" smtClean="0">
+              <a:rPr lang="en-US" sz="1400" dirty="0" smtClean="0">
                 <a:solidFill>
                   <a:schemeClr val="accent6"/>
                 </a:solidFill>
@@ -30109,7 +30038,7 @@
               <a:t>available, thus some length-based methods may </a:t>
             </a:r>
             <a:r>
-              <a:rPr lang="en-US" sz="1600" dirty="0">
+              <a:rPr lang="en-US" sz="1400" dirty="0">
                 <a:solidFill>
                   <a:schemeClr val="accent6"/>
                 </a:solidFill>
@@ -30118,7 +30047,7 @@
               <a:t>be more </a:t>
             </a:r>
             <a:r>
-              <a:rPr lang="en-US" sz="1600" dirty="0" smtClean="0">
+              <a:rPr lang="en-US" sz="1400" dirty="0" smtClean="0">
                 <a:solidFill>
                   <a:schemeClr val="accent6"/>
                 </a:solidFill>
@@ -30126,7 +30055,7 @@
               </a:rPr>
               <a:t>applicable.</a:t>
             </a:r>
-            <a:endParaRPr lang="en-US" sz="1600" dirty="0">
+            <a:endParaRPr lang="en-US" sz="1400" dirty="0">
               <a:solidFill>
                 <a:schemeClr val="accent6"/>
               </a:solidFill>
@@ -30183,7 +30112,7 @@
         <p:spPr bwMode="auto">
           <a:xfrm>
             <a:off x="179512" y="514702"/>
-            <a:ext cx="8784976" cy="4570482"/>
+            <a:ext cx="8784976" cy="3831818"/>
           </a:xfrm>
           <a:prstGeom prst="rect">
             <a:avLst/>
@@ -30232,12 +30161,87 @@
                 <a:spcPct val="150000"/>
               </a:lnSpc>
             </a:pPr>
-            <a:endParaRPr lang="en-US" sz="1600" dirty="0" smtClean="0">
-              <a:solidFill>
-                <a:schemeClr val="accent6"/>
-              </a:solidFill>
-              <a:cs typeface="Arial" charset="0"/>
-            </a:endParaRPr>
+            <a:r>
+              <a:rPr lang="en-US" sz="1600" dirty="0" smtClean="0">
+                <a:solidFill>
+                  <a:schemeClr val="accent6"/>
+                </a:solidFill>
+                <a:cs typeface="Arial" charset="0"/>
+              </a:rPr>
+              <a:t>As </a:t>
+            </a:r>
+            <a:r>
+              <a:rPr lang="en-US" sz="1600" dirty="0">
+                <a:solidFill>
+                  <a:schemeClr val="accent6"/>
+                </a:solidFill>
+                <a:cs typeface="Arial" charset="0"/>
+              </a:rPr>
+              <a:t>in the </a:t>
+            </a:r>
+            <a:r>
+              <a:rPr lang="en-US" sz="1600" dirty="0" smtClean="0">
+                <a:solidFill>
+                  <a:schemeClr val="accent6"/>
+                </a:solidFill>
+                <a:cs typeface="Arial" charset="0"/>
+              </a:rPr>
+              <a:t>catch-only models, also in the time-series models the </a:t>
+            </a:r>
+            <a:r>
+              <a:rPr lang="en-US" sz="1600" dirty="0">
+                <a:solidFill>
+                  <a:schemeClr val="accent6"/>
+                </a:solidFill>
+                <a:cs typeface="Arial" charset="0"/>
+              </a:rPr>
+              <a:t>assumptions on </a:t>
+            </a:r>
+            <a:r>
+              <a:rPr lang="en-US" sz="1600" dirty="0" smtClean="0">
+                <a:solidFill>
+                  <a:schemeClr val="accent6"/>
+                </a:solidFill>
+                <a:cs typeface="Arial" charset="0"/>
+              </a:rPr>
+              <a:t>population </a:t>
+            </a:r>
+            <a:r>
+              <a:rPr lang="en-US" sz="1600" dirty="0">
+                <a:solidFill>
+                  <a:schemeClr val="accent6"/>
+                </a:solidFill>
+                <a:cs typeface="Arial" charset="0"/>
+              </a:rPr>
+              <a:t>dynamics are minimal. Typical data are </a:t>
+            </a:r>
+            <a:r>
+              <a:rPr lang="en-US" sz="1600" dirty="0" smtClean="0">
+                <a:solidFill>
+                  <a:schemeClr val="accent6"/>
+                </a:solidFill>
+                <a:cs typeface="Arial" charset="0"/>
+              </a:rPr>
+              <a:t>time series of catches </a:t>
+            </a:r>
+            <a:r>
+              <a:rPr lang="en-US" sz="1600" dirty="0">
+                <a:solidFill>
+                  <a:schemeClr val="accent6"/>
+                </a:solidFill>
+                <a:cs typeface="Arial" charset="0"/>
+              </a:rPr>
+              <a:t>or abundance </a:t>
+            </a:r>
+            <a:r>
+              <a:rPr lang="en-US" sz="1600" dirty="0" smtClean="0">
+                <a:solidFill>
+                  <a:schemeClr val="accent6"/>
+                </a:solidFill>
+                <a:cs typeface="Arial" charset="0"/>
+              </a:rPr>
+              <a:t>indices (from surveys).</a:t>
+            </a:r>
           </a:p>
           <a:p>
             <a:pPr algn="just" eaLnBrk="1" hangingPunct="1">
@@ -30245,138 +30249,7 @@
                 <a:spcPct val="150000"/>
               </a:lnSpc>
             </a:pPr>
-            <a:r>
-              <a:rPr lang="en-US" sz="1600" dirty="0" smtClean="0">
-                <a:solidFill>
-                  <a:schemeClr val="accent6"/>
-                </a:solidFill>
-                <a:cs typeface="Arial" charset="0"/>
-              </a:rPr>
-              <a:t>As </a:t>
-            </a:r>
-            <a:r>
-              <a:rPr lang="en-US" sz="1600" dirty="0">
-                <a:solidFill>
-                  <a:schemeClr val="accent6"/>
-                </a:solidFill>
-                <a:cs typeface="Arial" charset="0"/>
-              </a:rPr>
-              <a:t>in the catch only model the assumptions on the population dynamics are minimal. Typical data are catch or abundance index </a:t>
-            </a:r>
-            <a:r>
-              <a:rPr lang="en-US" sz="1600" dirty="0" smtClean="0">
-                <a:solidFill>
-                  <a:schemeClr val="accent6"/>
-                </a:solidFill>
-                <a:cs typeface="Arial" charset="0"/>
-              </a:rPr>
-              <a:t>(from surveys) time </a:t>
-            </a:r>
-            <a:r>
-              <a:rPr lang="en-US" sz="1600" dirty="0">
-                <a:solidFill>
-                  <a:schemeClr val="accent6"/>
-                </a:solidFill>
-                <a:cs typeface="Arial" charset="0"/>
-              </a:rPr>
-              <a:t>series</a:t>
-            </a:r>
-            <a:r>
-              <a:rPr lang="en-US" sz="1600" dirty="0" smtClean="0">
-                <a:solidFill>
-                  <a:schemeClr val="accent6"/>
-                </a:solidFill>
-                <a:cs typeface="Arial" charset="0"/>
-              </a:rPr>
-              <a:t>.</a:t>
-            </a:r>
-          </a:p>
-          <a:p>
-            <a:pPr algn="just" eaLnBrk="1" hangingPunct="1">
-              <a:lnSpc>
-                <a:spcPct val="150000"/>
-              </a:lnSpc>
-            </a:pPr>
-            <a:r>
-              <a:rPr lang="en-US" sz="1600" dirty="0">
-                <a:solidFill>
-                  <a:schemeClr val="accent6"/>
-                </a:solidFill>
-                <a:cs typeface="Arial" charset="0"/>
-              </a:rPr>
-              <a:t>As in the </a:t>
-            </a:r>
-            <a:r>
-              <a:rPr lang="en-US" sz="1600" dirty="0" smtClean="0">
-                <a:solidFill>
-                  <a:schemeClr val="accent6"/>
-                </a:solidFill>
-                <a:cs typeface="Arial" charset="0"/>
-              </a:rPr>
-              <a:t>catch-only models, also in the time-series models the </a:t>
-            </a:r>
-            <a:r>
-              <a:rPr lang="en-US" sz="1600" dirty="0">
-                <a:solidFill>
-                  <a:schemeClr val="accent6"/>
-                </a:solidFill>
-                <a:cs typeface="Arial" charset="0"/>
-              </a:rPr>
-              <a:t>assumptions on </a:t>
-            </a:r>
-            <a:r>
-              <a:rPr lang="en-US" sz="1600" dirty="0" smtClean="0">
-                <a:solidFill>
-                  <a:schemeClr val="accent6"/>
-                </a:solidFill>
-                <a:cs typeface="Arial" charset="0"/>
-              </a:rPr>
-              <a:t>population </a:t>
-            </a:r>
-            <a:r>
-              <a:rPr lang="en-US" sz="1600" dirty="0">
-                <a:solidFill>
-                  <a:schemeClr val="accent6"/>
-                </a:solidFill>
-                <a:cs typeface="Arial" charset="0"/>
-              </a:rPr>
-              <a:t>dynamics are minimal. Typical data are </a:t>
-            </a:r>
-            <a:r>
-              <a:rPr lang="en-US" sz="1600" dirty="0" smtClean="0">
-                <a:solidFill>
-                  <a:schemeClr val="accent6"/>
-                </a:solidFill>
-                <a:cs typeface="Arial" charset="0"/>
-              </a:rPr>
-              <a:t>time series of catches </a:t>
-            </a:r>
-            <a:r>
-              <a:rPr lang="en-US" sz="1600" dirty="0">
-                <a:solidFill>
-                  <a:schemeClr val="accent6"/>
-                </a:solidFill>
-                <a:cs typeface="Arial" charset="0"/>
-              </a:rPr>
-              <a:t>or abundance </a:t>
-            </a:r>
-            <a:r>
-              <a:rPr lang="en-US" sz="1600" dirty="0" smtClean="0">
-                <a:solidFill>
-                  <a:schemeClr val="accent6"/>
-                </a:solidFill>
-                <a:cs typeface="Arial" charset="0"/>
-              </a:rPr>
-              <a:t>indices.</a:t>
-            </a:r>
-          </a:p>
-          <a:p>
-            <a:pPr algn="just" eaLnBrk="1" hangingPunct="1">
-              <a:lnSpc>
-                <a:spcPct val="150000"/>
-              </a:lnSpc>
-            </a:pPr>
-            <a:endParaRPr lang="en-US" sz="1600" dirty="0">
+            <a:endParaRPr lang="en-US" sz="1600" dirty="0" smtClean="0">
               <a:solidFill>
                 <a:schemeClr val="accent6"/>
               </a:solidFill>
